--- a/Hardware Final Poster.pptx
+++ b/Hardware Final Poster.pptx
@@ -260,7 +260,7 @@
             <a:fld id="{0158C5BC-9A70-462C-B28D-9600239EAC64}" type="datetimeFigureOut">
               <a:rPr lang="en-US" smtClean="0"/>
               <a:pPr/>
-              <a:t>4/25/19</a:t>
+              <a:t>4/26/2019</a:t>
             </a:fld>
             <a:endParaRPr lang="en-US"/>
           </a:p>
@@ -427,7 +427,7 @@
             <a:fld id="{E6CC2317-6751-4CD4-9995-8782DD78E936}" type="datetimeFigureOut">
               <a:rPr lang="en-US" smtClean="0"/>
               <a:pPr/>
-              <a:t>4/25/19</a:t>
+              <a:t>4/26/2019</a:t>
             </a:fld>
             <a:endParaRPr lang="en-US" dirty="0"/>
           </a:p>
@@ -695,6 +695,91 @@
     </a:lvl9pPr>
   </p:notesStyle>
 </p:notesMaster>
+</file>
+
+<file path=ppt/notesSlides/notesSlide1.xml><?xml version="1.0" encoding="utf-8"?>
+<p:notes xmlns:a="http://schemas.openxmlformats.org/drawingml/2006/main" xmlns:r="http://schemas.openxmlformats.org/officeDocument/2006/relationships" xmlns:p="http://schemas.openxmlformats.org/presentationml/2006/main">
+  <p:cSld>
+    <p:spTree>
+      <p:nvGrpSpPr>
+        <p:cNvPr id="1" name=""/>
+        <p:cNvGrpSpPr/>
+        <p:nvPr/>
+      </p:nvGrpSpPr>
+      <p:grpSpPr>
+        <a:xfrm>
+          <a:off x="0" y="0"/>
+          <a:ext cx="0" cy="0"/>
+          <a:chOff x="0" y="0"/>
+          <a:chExt cx="0" cy="0"/>
+        </a:xfrm>
+      </p:grpSpPr>
+      <p:sp>
+        <p:nvSpPr>
+          <p:cNvPr id="2" name="Slide Image Placeholder 1"/>
+          <p:cNvSpPr>
+            <a:spLocks noGrp="1" noRot="1" noChangeAspect="1"/>
+          </p:cNvSpPr>
+          <p:nvPr>
+            <p:ph type="sldImg"/>
+          </p:nvPr>
+        </p:nvSpPr>
+        <p:spPr/>
+      </p:sp>
+      <p:sp>
+        <p:nvSpPr>
+          <p:cNvPr id="3" name="Notes Placeholder 2"/>
+          <p:cNvSpPr>
+            <a:spLocks noGrp="1"/>
+          </p:cNvSpPr>
+          <p:nvPr>
+            <p:ph type="body" idx="1"/>
+          </p:nvPr>
+        </p:nvSpPr>
+        <p:spPr/>
+        <p:txBody>
+          <a:bodyPr/>
+          <a:lstStyle/>
+          <a:p>
+            <a:endParaRPr lang="en-US" dirty="0"/>
+          </a:p>
+        </p:txBody>
+      </p:sp>
+      <p:sp>
+        <p:nvSpPr>
+          <p:cNvPr id="4" name="Slide Number Placeholder 3"/>
+          <p:cNvSpPr>
+            <a:spLocks noGrp="1"/>
+          </p:cNvSpPr>
+          <p:nvPr>
+            <p:ph type="sldNum" sz="quarter" idx="5"/>
+          </p:nvPr>
+        </p:nvSpPr>
+        <p:spPr/>
+        <p:txBody>
+          <a:bodyPr/>
+          <a:lstStyle/>
+          <a:p>
+            <a:fld id="{26A1A87D-CAF7-4BDC-A0D3-C0DBEDE81619}" type="slidenum">
+              <a:rPr lang="en-US" smtClean="0"/>
+              <a:pPr/>
+              <a:t>1</a:t>
+            </a:fld>
+            <a:endParaRPr lang="en-US" dirty="0"/>
+          </a:p>
+        </p:txBody>
+      </p:sp>
+    </p:spTree>
+    <p:extLst>
+      <p:ext uri="{BB962C8B-B14F-4D97-AF65-F5344CB8AC3E}">
+        <p14:creationId xmlns:p14="http://schemas.microsoft.com/office/powerpoint/2010/main" val="2783003624"/>
+      </p:ext>
+    </p:extLst>
+  </p:cSld>
+  <p:clrMapOvr>
+    <a:masterClrMapping/>
+  </p:clrMapOvr>
+</p:notes>
 </file>
 
 <file path=ppt/slideLayouts/slideLayout1.xml><?xml version="1.0" encoding="utf-8"?>
@@ -2938,7 +3023,7 @@
               <a:graphicData uri="http://schemas.openxmlformats.org/presentationml/2006/ole">
                 <mc:AlternateContent xmlns:mc="http://schemas.openxmlformats.org/markup-compatibility/2006">
                   <mc:Choice xmlns:v="urn:schemas-microsoft-com:vml" Requires="v">
-                    <p:oleObj spid="_x0000_s1139" name="Image" r:id="rId8" imgW="1828440" imgH="1117440" progId="Photoshop.Image.13">
+                    <p:oleObj spid="_x0000_s1167" name="Image" r:id="rId8" imgW="1828440" imgH="1117440" progId="Photoshop.Image.13">
                       <p:embed/>
                     </p:oleObj>
                   </mc:Choice>
@@ -2995,7 +3080,7 @@
               <a:graphicData uri="http://schemas.openxmlformats.org/presentationml/2006/ole">
                 <mc:AlternateContent xmlns:mc="http://schemas.openxmlformats.org/markup-compatibility/2006">
                   <mc:Choice xmlns:v="urn:schemas-microsoft-com:vml" Requires="v">
-                    <p:oleObj spid="_x0000_s1140" name="Image" r:id="rId10" imgW="1828440" imgH="1117440" progId="Photoshop.Image.13">
+                    <p:oleObj spid="_x0000_s1168" name="Image" r:id="rId10" imgW="1828440" imgH="1117440" progId="Photoshop.Image.13">
                       <p:embed/>
                     </p:oleObj>
                   </mc:Choice>
@@ -4118,7 +4203,7 @@
             <a:graphicData uri="http://schemas.openxmlformats.org/presentationml/2006/ole">
               <mc:AlternateContent xmlns:mc="http://schemas.openxmlformats.org/markup-compatibility/2006">
                 <mc:Choice xmlns:v="urn:schemas-microsoft-com:vml" Requires="v">
-                  <p:oleObj spid="_x0000_s1141" name="Image" r:id="rId12" imgW="4571280" imgH="1688760" progId="Photoshop.Image.13">
+                  <p:oleObj spid="_x0000_s1169" name="Image" r:id="rId12" imgW="4571280" imgH="1688760" progId="Photoshop.Image.13">
                     <p:embed/>
                   </p:oleObj>
                 </mc:Choice>
@@ -4202,7 +4287,7 @@
             <a:graphicData uri="http://schemas.openxmlformats.org/presentationml/2006/ole">
               <mc:AlternateContent xmlns:mc="http://schemas.openxmlformats.org/markup-compatibility/2006">
                 <mc:Choice xmlns:v="urn:schemas-microsoft-com:vml" Requires="v">
-                  <p:oleObj spid="_x0000_s1142" name="Image" r:id="rId15" imgW="1574280" imgH="1053720" progId="Photoshop.Image.13">
+                  <p:oleObj spid="_x0000_s1170" name="Image" r:id="rId15" imgW="1574280" imgH="1053720" progId="Photoshop.Image.13">
                     <p:embed/>
                   </p:oleObj>
                 </mc:Choice>
@@ -4724,7 +4809,7 @@
         <p:spPr>
           <a:xfrm>
             <a:off x="459674" y="6378481"/>
-            <a:ext cx="16151926" cy="16481519"/>
+            <a:ext cx="16151926" cy="17210843"/>
           </a:xfrm>
           <a:solidFill>
             <a:schemeClr val="accent1">
@@ -4745,34 +4830,22 @@
           <a:lstStyle/>
           <a:p>
             <a:r>
-              <a:rPr lang="en-US" sz="5400" dirty="0">
-                <a:solidFill>
-                  <a:schemeClr val="accent5">
-                    <a:lumMod val="75000"/>
+              <a:rPr lang="en-US" sz="5400" b="1" dirty="0">
+                <a:solidFill>
+                  <a:schemeClr val="accent1">
+                    <a:lumMod val="50000"/>
                   </a:schemeClr>
                 </a:solidFill>
               </a:rPr>
-              <a:t>Like all engineering projects, our group needed a computer to handle our needs. The Raspberry Pi 3 is a</a:t>
+              <a:t>Like all engineering projects, our group needed a computer to handle our needs. The Raspberry Pi 3 is a programmable micro-controller that is compatible with the MPU we've selected. The features covered by the Raspberry Pi are exactly what our team needs to begin</a:t>
             </a:r>
           </a:p>
           <a:p>
             <a:r>
-              <a:rPr lang="en-US" sz="5400" dirty="0">
-                <a:solidFill>
-                  <a:schemeClr val="accent5">
-                    <a:lumMod val="75000"/>
-                  </a:schemeClr>
-                </a:solidFill>
-              </a:rPr>
-              <a:t>programmable micro-controller that is compatible with the MPU we've selected. The features covered by the Raspberry Pi are exactly what our team needs to begin</a:t>
-            </a:r>
-          </a:p>
-          <a:p>
-            <a:r>
-              <a:rPr lang="en-US" sz="5400" dirty="0">
-                <a:solidFill>
-                  <a:schemeClr val="accent5">
-                    <a:lumMod val="75000"/>
+              <a:rPr lang="en-US" sz="5400" b="1" dirty="0">
+                <a:solidFill>
+                  <a:schemeClr val="accent1">
+                    <a:lumMod val="50000"/>
                   </a:schemeClr>
                 </a:solidFill>
               </a:rPr>
@@ -4781,10 +4854,10 @@
           </a:p>
           <a:p>
             <a:r>
-              <a:rPr lang="en-US" sz="5400" dirty="0">
-                <a:solidFill>
-                  <a:schemeClr val="accent5">
-                    <a:lumMod val="75000"/>
+              <a:rPr lang="en-US" sz="5400" b="1" dirty="0">
+                <a:solidFill>
+                  <a:schemeClr val="accent1">
+                    <a:lumMod val="50000"/>
                   </a:schemeClr>
                 </a:solidFill>
               </a:rPr>
@@ -4793,10 +4866,10 @@
           </a:p>
           <a:p>
             <a:r>
-              <a:rPr lang="en-US" sz="5400" dirty="0">
-                <a:solidFill>
-                  <a:schemeClr val="accent5">
-                    <a:lumMod val="75000"/>
+              <a:rPr lang="en-US" sz="5400" b="1" dirty="0">
+                <a:solidFill>
+                  <a:schemeClr val="accent1">
+                    <a:lumMod val="50000"/>
                   </a:schemeClr>
                 </a:solidFill>
               </a:rPr>
@@ -4805,10 +4878,10 @@
           </a:p>
           <a:p>
             <a:r>
-              <a:rPr lang="en-US" sz="5400" dirty="0">
-                <a:solidFill>
-                  <a:schemeClr val="accent5">
-                    <a:lumMod val="75000"/>
+              <a:rPr lang="en-US" sz="5400" b="1" dirty="0">
+                <a:solidFill>
+                  <a:schemeClr val="accent1">
+                    <a:lumMod val="50000"/>
                   </a:schemeClr>
                 </a:solidFill>
               </a:rPr>
@@ -4817,10 +4890,10 @@
           </a:p>
           <a:p>
             <a:r>
-              <a:rPr lang="en-US" sz="5400" dirty="0">
-                <a:solidFill>
-                  <a:schemeClr val="accent5">
-                    <a:lumMod val="75000"/>
+              <a:rPr lang="en-US" sz="5400" b="1" dirty="0">
+                <a:solidFill>
+                  <a:schemeClr val="accent1">
+                    <a:lumMod val="50000"/>
                   </a:schemeClr>
                 </a:solidFill>
               </a:rPr>
@@ -4829,10 +4902,10 @@
           </a:p>
           <a:p>
             <a:r>
-              <a:rPr lang="en-US" sz="5400" dirty="0">
-                <a:solidFill>
-                  <a:schemeClr val="accent5">
-                    <a:lumMod val="75000"/>
+              <a:rPr lang="en-US" sz="5400" b="1" dirty="0">
+                <a:solidFill>
+                  <a:schemeClr val="accent1">
+                    <a:lumMod val="50000"/>
                   </a:schemeClr>
                 </a:solidFill>
               </a:rPr>
@@ -4841,10 +4914,10 @@
           </a:p>
           <a:p>
             <a:r>
-              <a:rPr lang="en-US" sz="5400" dirty="0">
-                <a:solidFill>
-                  <a:schemeClr val="accent5">
-                    <a:lumMod val="75000"/>
+              <a:rPr lang="en-US" sz="5400" b="1" dirty="0">
+                <a:solidFill>
+                  <a:schemeClr val="accent1">
+                    <a:lumMod val="50000"/>
                   </a:schemeClr>
                 </a:solidFill>
               </a:rPr>
@@ -4853,10 +4926,10 @@
           </a:p>
           <a:p>
             <a:r>
-              <a:rPr lang="en-US" sz="5400" dirty="0">
-                <a:solidFill>
-                  <a:schemeClr val="accent5">
-                    <a:lumMod val="75000"/>
+              <a:rPr lang="en-US" sz="5400" b="1" dirty="0">
+                <a:solidFill>
+                  <a:schemeClr val="accent1">
+                    <a:lumMod val="50000"/>
                   </a:schemeClr>
                 </a:solidFill>
               </a:rPr>
@@ -4864,7 +4937,13 @@
             </a:r>
           </a:p>
           <a:p>
-            <a:endParaRPr lang="en-US" dirty="0"/>
+            <a:endParaRPr lang="en-US" b="1" dirty="0">
+              <a:solidFill>
+                <a:schemeClr val="accent1">
+                  <a:lumMod val="50000"/>
+                </a:schemeClr>
+              </a:solidFill>
+            </a:endParaRPr>
           </a:p>
         </p:txBody>
       </p:sp>
@@ -4889,12 +4968,24 @@
           <a:lstStyle/>
           <a:p>
             <a:r>
-              <a:rPr lang="en-US" sz="7200" dirty="0"/>
+              <a:rPr lang="en-US" sz="7200" dirty="0">
+                <a:solidFill>
+                  <a:schemeClr val="accent1">
+                    <a:lumMod val="50000"/>
+                  </a:schemeClr>
+                </a:solidFill>
+              </a:rPr>
               <a:t>Raspberry Pi  3</a:t>
             </a:r>
           </a:p>
           <a:p>
-            <a:endParaRPr lang="en-US" dirty="0"/>
+            <a:endParaRPr lang="en-US" dirty="0">
+              <a:solidFill>
+                <a:schemeClr val="accent1">
+                  <a:lumMod val="50000"/>
+                </a:schemeClr>
+              </a:solidFill>
+            </a:endParaRPr>
           </a:p>
         </p:txBody>
       </p:sp>
@@ -4910,8 +5001,8 @@
         </p:nvSpPr>
         <p:spPr>
           <a:xfrm>
-            <a:off x="17252766" y="6376506"/>
-            <a:ext cx="12819058" cy="17454478"/>
+            <a:off x="17252766" y="6376504"/>
+            <a:ext cx="12819058" cy="17212819"/>
           </a:xfrm>
           <a:solidFill>
             <a:schemeClr val="accent1">
@@ -4932,48 +5023,104 @@
           <a:lstStyle/>
           <a:p>
             <a:r>
-              <a:rPr lang="en-US" sz="5400" dirty="0"/>
+              <a:rPr lang="en-US" sz="5400" b="1" dirty="0">
+                <a:solidFill>
+                  <a:schemeClr val="accent1">
+                    <a:lumMod val="50000"/>
+                  </a:schemeClr>
+                </a:solidFill>
+              </a:rPr>
               <a:t>- An accelerometer will be needed to detect when a distress call should be signaled. </a:t>
             </a:r>
           </a:p>
           <a:p>
             <a:r>
-              <a:rPr lang="en-US" sz="5400" dirty="0"/>
-              <a:t>- Sparkfun IMU Breakout MPU-9250 that will be used throughout this project, which features a 3-axis accelerometer. </a:t>
+              <a:rPr lang="en-US" sz="5400" b="1" dirty="0">
+                <a:solidFill>
+                  <a:schemeClr val="accent1">
+                    <a:lumMod val="50000"/>
+                  </a:schemeClr>
+                </a:solidFill>
+              </a:rPr>
+              <a:t>- Sparkfun IMU Breakout MPU-9250 used throughout this project featuring a 3-axis accelerometer. </a:t>
             </a:r>
           </a:p>
           <a:p>
             <a:r>
-              <a:rPr lang="en-US" sz="5400" dirty="0"/>
-              <a:t>- When an object of specific weight falls into the water, it cause water ripples of certain magnitude to spread throughout the water. </a:t>
-            </a:r>
-          </a:p>
-          <a:p>
-            <a:r>
-              <a:rPr lang="en-US" sz="5400" dirty="0"/>
+              <a:rPr lang="en-US" sz="5400" b="1" dirty="0">
+                <a:solidFill>
+                  <a:schemeClr val="accent1">
+                    <a:lumMod val="50000"/>
+                  </a:schemeClr>
+                </a:solidFill>
+              </a:rPr>
               <a:t>- A change in acceleration of the waves then causes an applied force on the MPU. </a:t>
             </a:r>
           </a:p>
           <a:p>
             <a:r>
-              <a:rPr lang="en-US" sz="5400" dirty="0"/>
-              <a:t>- Another feature of the Sparkfun MPU is an integrated 3-axis gyroscope.</a:t>
+              <a:rPr lang="en-US" sz="5400" b="1" dirty="0">
+                <a:solidFill>
+                  <a:schemeClr val="accent1">
+                    <a:lumMod val="50000"/>
+                  </a:schemeClr>
+                </a:solidFill>
+              </a:rPr>
+              <a:t>- </a:t>
             </a:r>
-          </a:p>
-          <a:p>
             <a:r>
-              <a:rPr lang="en-US" sz="5400" dirty="0"/>
+              <a:rPr lang="en-US" sz="5400" b="1" dirty="0" err="1">
+                <a:solidFill>
+                  <a:schemeClr val="accent1">
+                    <a:lumMod val="50000"/>
+                  </a:schemeClr>
+                </a:solidFill>
+              </a:rPr>
+              <a:t>Sparkfun</a:t>
+            </a:r>
+            <a:r>
+              <a:rPr lang="en-US" sz="5400" b="1" dirty="0">
+                <a:solidFill>
+                  <a:schemeClr val="accent1">
+                    <a:lumMod val="50000"/>
+                  </a:schemeClr>
+                </a:solidFill>
+              </a:rPr>
+              <a:t> MPU also has an integrated 3-axis gyroscope.</a:t>
+            </a:r>
+          </a:p>
+          <a:p>
+            <a:r>
+              <a:rPr lang="en-US" sz="5400" b="1" dirty="0">
+                <a:solidFill>
+                  <a:schemeClr val="accent1">
+                    <a:lumMod val="50000"/>
+                  </a:schemeClr>
+                </a:solidFill>
+              </a:rPr>
               <a:t>-  The gyroscope can be helpful by identifying a specific change in angular velocity. </a:t>
             </a:r>
           </a:p>
           <a:p>
             <a:r>
-              <a:rPr lang="en-US" sz="5400" dirty="0"/>
+              <a:rPr lang="en-US" sz="5400" b="1" dirty="0">
+                <a:solidFill>
+                  <a:schemeClr val="accent1">
+                    <a:lumMod val="50000"/>
+                  </a:schemeClr>
+                </a:solidFill>
+              </a:rPr>
               <a:t>- By configuring the MPU onto the Raspberry-Pi microcontroller, an effective motion detection device can be achieved.</a:t>
             </a:r>
           </a:p>
           <a:p>
-            <a:endParaRPr lang="en-US" dirty="0"/>
+            <a:endParaRPr lang="en-US" b="1" dirty="0">
+              <a:solidFill>
+                <a:schemeClr val="accent1">
+                  <a:lumMod val="50000"/>
+                </a:schemeClr>
+              </a:solidFill>
+            </a:endParaRPr>
           </a:p>
         </p:txBody>
       </p:sp>
@@ -4998,12 +5145,24 @@
           <a:lstStyle/>
           <a:p>
             <a:r>
-              <a:rPr lang="en-US" sz="7200" dirty="0"/>
+              <a:rPr lang="en-US" sz="7200" dirty="0">
+                <a:solidFill>
+                  <a:schemeClr val="accent1">
+                    <a:lumMod val="50000"/>
+                  </a:schemeClr>
+                </a:solidFill>
+              </a:rPr>
               <a:t>Motion Processor Unit</a:t>
             </a:r>
           </a:p>
           <a:p>
-            <a:endParaRPr lang="en-US" dirty="0"/>
+            <a:endParaRPr lang="en-US" dirty="0">
+              <a:solidFill>
+                <a:schemeClr val="accent1">
+                  <a:lumMod val="50000"/>
+                </a:schemeClr>
+              </a:solidFill>
+            </a:endParaRPr>
           </a:p>
         </p:txBody>
       </p:sp>
@@ -5028,12 +5187,24 @@
           <a:lstStyle/>
           <a:p>
             <a:r>
-              <a:rPr lang="en-US" sz="7200" dirty="0"/>
+              <a:rPr lang="en-US" sz="7200" dirty="0">
+                <a:solidFill>
+                  <a:schemeClr val="accent1">
+                    <a:lumMod val="50000"/>
+                  </a:schemeClr>
+                </a:solidFill>
+              </a:rPr>
               <a:t>Powering The Device</a:t>
             </a:r>
           </a:p>
           <a:p>
-            <a:endParaRPr lang="en-US" dirty="0"/>
+            <a:endParaRPr lang="en-US" dirty="0">
+              <a:solidFill>
+                <a:schemeClr val="accent1">
+                  <a:lumMod val="50000"/>
+                </a:schemeClr>
+              </a:solidFill>
+            </a:endParaRPr>
           </a:p>
         </p:txBody>
       </p:sp>
@@ -5049,8 +5220,8 @@
         </p:nvSpPr>
         <p:spPr>
           <a:xfrm>
-            <a:off x="30919742" y="6378481"/>
-            <a:ext cx="12517568" cy="15715049"/>
+            <a:off x="30919742" y="6378479"/>
+            <a:ext cx="12517568" cy="17210843"/>
           </a:xfrm>
           <a:solidFill>
             <a:schemeClr val="accent1">
@@ -5071,11 +5242,23 @@
           <a:lstStyle/>
           <a:p>
             <a:r>
-              <a:rPr lang="en-US" dirty="0"/>
+              <a:rPr lang="en-US" b="1" dirty="0">
+                <a:solidFill>
+                  <a:schemeClr val="accent1">
+                    <a:lumMod val="50000"/>
+                  </a:schemeClr>
+                </a:solidFill>
+              </a:rPr>
               <a:t> </a:t>
             </a:r>
             <a:r>
-              <a:rPr lang="en-US" sz="5400" dirty="0"/>
+              <a:rPr lang="en-US" sz="5400" b="1" dirty="0">
+                <a:solidFill>
+                  <a:schemeClr val="accent1">
+                    <a:lumMod val="50000"/>
+                  </a:schemeClr>
+                </a:solidFill>
+              </a:rPr>
               <a:t>- The Li/Poly charger would connect to the 2W, 6V solar panel. </a:t>
             </a:r>
           </a:p>
@@ -5085,7 +5268,13 @@
               <a:buChar char="-"/>
             </a:pPr>
             <a:r>
-              <a:rPr lang="en-US" sz="5400" dirty="0"/>
+              <a:rPr lang="en-US" sz="5400" b="1" dirty="0">
+                <a:solidFill>
+                  <a:schemeClr val="accent1">
+                    <a:lumMod val="50000"/>
+                  </a:schemeClr>
+                </a:solidFill>
+              </a:rPr>
               <a:t>The Charger is connected to a Li/Poly battery. This battery has a capacity of 2500mAh for a total of about 10 Wh, and the output ranges from 4.2V when completely charged to 3.7V. </a:t>
             </a:r>
           </a:p>
@@ -5095,24 +5284,48 @@
               <a:buChar char="-"/>
             </a:pPr>
             <a:r>
-              <a:rPr lang="en-US" sz="5400" dirty="0"/>
+              <a:rPr lang="en-US" sz="5400" b="1" dirty="0">
+                <a:solidFill>
+                  <a:schemeClr val="accent1">
+                    <a:lumMod val="50000"/>
+                  </a:schemeClr>
+                </a:solidFill>
+              </a:rPr>
               <a:t>One of the outlets of the charger will be connected to</a:t>
             </a:r>
           </a:p>
           <a:p>
             <a:r>
-              <a:rPr lang="en-US" sz="5400" dirty="0"/>
+              <a:rPr lang="en-US" sz="5400" b="1" dirty="0">
+                <a:solidFill>
+                  <a:schemeClr val="accent1">
+                    <a:lumMod val="50000"/>
+                  </a:schemeClr>
+                </a:solidFill>
+              </a:rPr>
               <a:t>the Powerboost 500 component. This little DC/DC boost converter module can be powered by any 3.7V</a:t>
             </a:r>
           </a:p>
           <a:p>
             <a:r>
-              <a:rPr lang="en-US" sz="5400" dirty="0"/>
+              <a:rPr lang="en-US" sz="5400" b="1" dirty="0">
+                <a:solidFill>
+                  <a:schemeClr val="accent1">
+                    <a:lumMod val="50000"/>
+                  </a:schemeClr>
+                </a:solidFill>
+              </a:rPr>
               <a:t>LiIon/LiPoly battery, and convert the battery output to 5.2V DC, to run the Raspberry Pi.</a:t>
             </a:r>
           </a:p>
           <a:p>
-            <a:endParaRPr lang="en-US" dirty="0"/>
+            <a:endParaRPr lang="en-US" b="1" dirty="0">
+              <a:solidFill>
+                <a:schemeClr val="accent1">
+                  <a:lumMod val="50000"/>
+                </a:schemeClr>
+              </a:solidFill>
+            </a:endParaRPr>
           </a:p>
         </p:txBody>
       </p:sp>
@@ -5143,12 +5356,24 @@
           <a:lstStyle/>
           <a:p>
             <a:r>
-              <a:rPr lang="en-US" b="1" dirty="0"/>
+              <a:rPr lang="en-US" b="1" dirty="0">
+                <a:solidFill>
+                  <a:schemeClr val="accent1">
+                    <a:lumMod val="50000"/>
+                  </a:schemeClr>
+                </a:solidFill>
+              </a:rPr>
               <a:t>Department of Electrical and Computer Engineering, Auburn University, Auburn, Alabama, USA </a:t>
             </a:r>
           </a:p>
           <a:p>
-            <a:endParaRPr lang="en-US" dirty="0"/>
+            <a:endParaRPr lang="en-US" b="1" dirty="0">
+              <a:solidFill>
+                <a:schemeClr val="accent1">
+                  <a:lumMod val="50000"/>
+                </a:schemeClr>
+              </a:solidFill>
+            </a:endParaRPr>
           </a:p>
         </p:txBody>
       </p:sp>
@@ -5189,7 +5414,13 @@
           <a:lstStyle/>
           <a:p>
             <a:r>
-              <a:rPr lang="en-US" dirty="0"/>
+              <a:rPr lang="en-US" b="1" dirty="0">
+                <a:solidFill>
+                  <a:schemeClr val="accent1">
+                    <a:lumMod val="50000"/>
+                  </a:schemeClr>
+                </a:solidFill>
+              </a:rPr>
               <a:t>Hardware</a:t>
             </a:r>
           </a:p>
@@ -5210,7 +5441,7 @@
           <p:nvPr/>
         </p:nvPicPr>
         <p:blipFill>
-          <a:blip r:embed="rId2">
+          <a:blip r:embed="rId3">
             <a:extLst>
               <a:ext uri="{28A0092B-C50C-407E-A947-70E740481C1C}">
                 <a14:useLocalDpi xmlns:a14="http://schemas.microsoft.com/office/drawing/2010/main" val="0"/>
@@ -5254,7 +5485,7 @@
           <p:nvPr/>
         </p:nvPicPr>
         <p:blipFill>
-          <a:blip r:embed="rId3">
+          <a:blip r:embed="rId4">
             <a:extLst>
               <a:ext uri="{28A0092B-C50C-407E-A947-70E740481C1C}">
                 <a14:useLocalDpi xmlns:a14="http://schemas.microsoft.com/office/drawing/2010/main" val="0"/>
@@ -5290,7 +5521,7 @@
           <p:nvPr/>
         </p:nvPicPr>
         <p:blipFill>
-          <a:blip r:embed="rId3">
+          <a:blip r:embed="rId4">
             <a:extLst>
               <a:ext uri="{28A0092B-C50C-407E-A947-70E740481C1C}">
                 <a14:useLocalDpi xmlns:a14="http://schemas.microsoft.com/office/drawing/2010/main" val="0"/>
@@ -5326,7 +5557,7 @@
           <p:nvPr/>
         </p:nvPicPr>
         <p:blipFill>
-          <a:blip r:embed="rId4"/>
+          <a:blip r:embed="rId5"/>
           <a:stretch>
             <a:fillRect/>
           </a:stretch>
@@ -5370,7 +5601,12 @@
           <a:lstStyle/>
           <a:p>
             <a:r>
-              <a:rPr lang="en-US" sz="5400" dirty="0">
+              <a:rPr lang="en-US" sz="5400" b="1" dirty="0">
+                <a:solidFill>
+                  <a:schemeClr val="accent1">
+                    <a:lumMod val="50000"/>
+                  </a:schemeClr>
+                </a:solidFill>
                 <a:latin typeface="Times New Roman" panose="02020603050405020304" pitchFamily="18" charset="0"/>
                 <a:cs typeface="Times New Roman" panose="02020603050405020304" pitchFamily="18" charset="0"/>
               </a:rPr>
@@ -5378,7 +5614,12 @@
             </a:r>
           </a:p>
           <a:p>
-            <a:endParaRPr lang="en-US" sz="2500" dirty="0">
+            <a:endParaRPr lang="en-US" sz="2500" b="1" dirty="0">
+              <a:solidFill>
+                <a:schemeClr val="accent1">
+                  <a:lumMod val="50000"/>
+                </a:schemeClr>
+              </a:solidFill>
               <a:latin typeface="Times New Roman" panose="02020603050405020304" pitchFamily="18" charset="0"/>
               <a:cs typeface="Times New Roman" panose="02020603050405020304" pitchFamily="18" charset="0"/>
             </a:endParaRPr>
@@ -5400,7 +5641,7 @@
           <p:nvPr/>
         </p:nvPicPr>
         <p:blipFill>
-          <a:blip r:embed="rId5"/>
+          <a:blip r:embed="rId6"/>
           <a:stretch>
             <a:fillRect/>
           </a:stretch>
@@ -5445,12 +5686,23 @@
           <a:p>
             <a:pPr algn="ctr"/>
             <a:r>
-              <a:rPr lang="en-US" sz="5400" dirty="0"/>
+              <a:rPr lang="en-US" sz="5400" b="1" dirty="0">
+                <a:solidFill>
+                  <a:schemeClr val="accent1">
+                    <a:lumMod val="50000"/>
+                  </a:schemeClr>
+                </a:solidFill>
+              </a:rPr>
               <a:t> Sparkfun IMU Breakout MPU-9250 Board</a:t>
             </a:r>
           </a:p>
           <a:p>
-            <a:endParaRPr lang="en-US" sz="2500" dirty="0">
+            <a:endParaRPr lang="en-US" sz="2500" b="1" dirty="0">
+              <a:solidFill>
+                <a:schemeClr val="accent1">
+                  <a:lumMod val="50000"/>
+                </a:schemeClr>
+              </a:solidFill>
               <a:latin typeface="Times New Roman" panose="02020603050405020304" pitchFamily="18" charset="0"/>
               <a:cs typeface="Times New Roman" panose="02020603050405020304" pitchFamily="18" charset="0"/>
             </a:endParaRPr>
@@ -5472,7 +5724,7 @@
           <p:nvPr/>
         </p:nvPicPr>
         <p:blipFill>
-          <a:blip r:embed="rId6"/>
+          <a:blip r:embed="rId7"/>
           <a:stretch>
             <a:fillRect/>
           </a:stretch>
@@ -5516,7 +5768,12 @@
           <a:lstStyle/>
           <a:p>
             <a:r>
-              <a:rPr lang="en-US" sz="5400" dirty="0">
+              <a:rPr lang="en-US" sz="5400" b="1" dirty="0">
+                <a:solidFill>
+                  <a:schemeClr val="accent1">
+                    <a:lumMod val="50000"/>
+                  </a:schemeClr>
+                </a:solidFill>
                 <a:latin typeface="Times New Roman" panose="02020603050405020304" pitchFamily="18" charset="0"/>
                 <a:cs typeface="Times New Roman" panose="02020603050405020304" pitchFamily="18" charset="0"/>
               </a:rPr>
@@ -5524,7 +5781,12 @@
             </a:r>
           </a:p>
           <a:p>
-            <a:endParaRPr lang="en-US" sz="2500" dirty="0">
+            <a:endParaRPr lang="en-US" sz="2500" b="1" dirty="0">
+              <a:solidFill>
+                <a:schemeClr val="accent1">
+                  <a:lumMod val="50000"/>
+                </a:schemeClr>
+              </a:solidFill>
               <a:latin typeface="Times New Roman" panose="02020603050405020304" pitchFamily="18" charset="0"/>
               <a:cs typeface="Times New Roman" panose="02020603050405020304" pitchFamily="18" charset="0"/>
             </a:endParaRPr>
@@ -5546,7 +5808,7 @@
           <p:nvPr/>
         </p:nvPicPr>
         <p:blipFill>
-          <a:blip r:embed="rId7"/>
+          <a:blip r:embed="rId8"/>
           <a:stretch>
             <a:fillRect/>
           </a:stretch>
@@ -5576,7 +5838,7 @@
           <p:nvPr/>
         </p:nvPicPr>
         <p:blipFill>
-          <a:blip r:embed="rId8">
+          <a:blip r:embed="rId9">
             <a:extLst>
               <a:ext uri="{28A0092B-C50C-407E-A947-70E740481C1C}">
                 <a14:useLocalDpi xmlns:a14="http://schemas.microsoft.com/office/drawing/2010/main" val="0"/>
@@ -5589,8 +5851,8 @@
         </p:blipFill>
         <p:spPr>
           <a:xfrm>
-            <a:off x="32676010" y="23380770"/>
-            <a:ext cx="10764610" cy="5956230"/>
+            <a:off x="32676010" y="24278582"/>
+            <a:ext cx="10764610" cy="5058418"/>
           </a:xfrm>
           <a:prstGeom prst="rect">
             <a:avLst/>
@@ -5611,8 +5873,8 @@
         </p:nvSpPr>
         <p:spPr>
           <a:xfrm>
-            <a:off x="26212799" y="29814947"/>
-            <a:ext cx="5942217" cy="1308050"/>
+            <a:off x="25691807" y="29814947"/>
+            <a:ext cx="6463211" cy="1308050"/>
           </a:xfrm>
           <a:prstGeom prst="rect">
             <a:avLst/>
@@ -5626,7 +5888,12 @@
           <a:lstStyle/>
           <a:p>
             <a:r>
-              <a:rPr lang="en-US" sz="5400" dirty="0">
+              <a:rPr lang="en-US" sz="5400" b="1" dirty="0">
+                <a:solidFill>
+                  <a:schemeClr val="accent1">
+                    <a:lumMod val="50000"/>
+                  </a:schemeClr>
+                </a:solidFill>
                 <a:latin typeface="Times New Roman" panose="02020603050405020304" pitchFamily="18" charset="0"/>
                 <a:cs typeface="Times New Roman" panose="02020603050405020304" pitchFamily="18" charset="0"/>
               </a:rPr>
@@ -5634,7 +5901,12 @@
             </a:r>
           </a:p>
           <a:p>
-            <a:endParaRPr lang="en-US" sz="2500" dirty="0">
+            <a:endParaRPr lang="en-US" sz="2500" b="1" dirty="0">
+              <a:solidFill>
+                <a:schemeClr val="accent1">
+                  <a:lumMod val="50000"/>
+                </a:schemeClr>
+              </a:solidFill>
               <a:latin typeface="Times New Roman" panose="02020603050405020304" pitchFamily="18" charset="0"/>
               <a:cs typeface="Times New Roman" panose="02020603050405020304" pitchFamily="18" charset="0"/>
             </a:endParaRPr>
@@ -5655,7 +5927,7 @@
         </p:nvSpPr>
         <p:spPr>
           <a:xfrm>
-            <a:off x="33985200" y="30170269"/>
+            <a:off x="33105315" y="30191974"/>
             <a:ext cx="9906000" cy="1308050"/>
           </a:xfrm>
           <a:prstGeom prst="rect">
@@ -5670,7 +5942,12 @@
           <a:lstStyle/>
           <a:p>
             <a:r>
-              <a:rPr lang="en-US" sz="5400" dirty="0">
+              <a:rPr lang="en-US" sz="5400" b="1" dirty="0">
+                <a:solidFill>
+                  <a:schemeClr val="accent1">
+                    <a:lumMod val="50000"/>
+                  </a:schemeClr>
+                </a:solidFill>
                 <a:latin typeface="Times New Roman" panose="02020603050405020304" pitchFamily="18" charset="0"/>
                 <a:cs typeface="Times New Roman" panose="02020603050405020304" pitchFamily="18" charset="0"/>
               </a:rPr>
@@ -5678,7 +5955,12 @@
             </a:r>
           </a:p>
           <a:p>
-            <a:endParaRPr lang="en-US" sz="2500" dirty="0">
+            <a:endParaRPr lang="en-US" sz="2500" b="1" dirty="0">
+              <a:solidFill>
+                <a:schemeClr val="accent1">
+                  <a:lumMod val="50000"/>
+                </a:schemeClr>
+              </a:solidFill>
               <a:latin typeface="Times New Roman" panose="02020603050405020304" pitchFamily="18" charset="0"/>
               <a:cs typeface="Times New Roman" panose="02020603050405020304" pitchFamily="18" charset="0"/>
             </a:endParaRPr>
